--- a/WTF Simulator.pptx
+++ b/WTF Simulator.pptx
@@ -107,13 +107,18 @@
       </a:defRPr>
     </a:lvl9pPr>
   </p:defaultTextStyle>
+  <p:extLst>
+    <p:ext uri="{EFAFB233-063F-42B5-8137-9DF3F51BA10A}">
+      <p15:sldGuideLst xmlns:p15="http://schemas.microsoft.com/office/powerpoint/2012/main"/>
+    </p:ext>
+  </p:extLst>
 </p:presentation>
 </file>
 
 <file path=ppt/revisionInfo.xml><?xml version="1.0" encoding="utf-8"?>
 <p1510:revInfo xmlns:a="http://schemas.openxmlformats.org/drawingml/2006/main" xmlns:r="http://schemas.openxmlformats.org/officeDocument/2006/relationships" xmlns:p1510="http://schemas.microsoft.com/office/powerpoint/2015/10/main">
   <p1510:revLst>
-    <p1510:client id="{BFC6221F-1CC2-4700-945B-CA5833408277}" v="114" dt="2019-01-27T20:47:26.455"/>
+    <p1510:client id="{BFC6221F-1CC2-4700-945B-CA5833408277}" v="122" dt="2019-01-27T21:26:02.188"/>
   </p1510:revLst>
 </p1510:revInfo>
 </file>
@@ -123,7 +128,7 @@
   <pc:docChgLst>
     <pc:chgData name="Mengdi Wang" userId="750749e49dfd98cf" providerId="LiveId" clId="{BFC6221F-1CC2-4700-945B-CA5833408277}"/>
     <pc:docChg chg="undo custSel addSld modSld">
-      <pc:chgData name="Mengdi Wang" userId="750749e49dfd98cf" providerId="LiveId" clId="{BFC6221F-1CC2-4700-945B-CA5833408277}" dt="2019-01-27T20:47:26.455" v="724"/>
+      <pc:chgData name="Mengdi Wang" userId="750749e49dfd98cf" providerId="LiveId" clId="{BFC6221F-1CC2-4700-945B-CA5833408277}" dt="2019-01-27T21:26:02.188" v="732" actId="20577"/>
       <pc:docMkLst>
         <pc:docMk/>
       </pc:docMkLst>
@@ -151,7 +156,7 @@
         </pc:spChg>
       </pc:sldChg>
       <pc:sldChg chg="modSp add modTransition modAnim">
-        <pc:chgData name="Mengdi Wang" userId="750749e49dfd98cf" providerId="LiveId" clId="{BFC6221F-1CC2-4700-945B-CA5833408277}" dt="2019-01-27T20:44:29.700" v="680"/>
+        <pc:chgData name="Mengdi Wang" userId="750749e49dfd98cf" providerId="LiveId" clId="{BFC6221F-1CC2-4700-945B-CA5833408277}" dt="2019-01-27T21:26:02.188" v="732" actId="20577"/>
         <pc:sldMkLst>
           <pc:docMk/>
           <pc:sldMk cId="1433423922" sldId="257"/>
@@ -165,7 +170,7 @@
           </ac:spMkLst>
         </pc:spChg>
         <pc:spChg chg="mod">
-          <ac:chgData name="Mengdi Wang" userId="750749e49dfd98cf" providerId="LiveId" clId="{BFC6221F-1CC2-4700-945B-CA5833408277}" dt="2019-01-27T20:38:11.733" v="628" actId="113"/>
+          <ac:chgData name="Mengdi Wang" userId="750749e49dfd98cf" providerId="LiveId" clId="{BFC6221F-1CC2-4700-945B-CA5833408277}" dt="2019-01-27T21:26:02.188" v="732" actId="20577"/>
           <ac:spMkLst>
             <pc:docMk/>
             <pc:sldMk cId="1433423922" sldId="257"/>
@@ -4051,13 +4056,13 @@
   <p:clrMapOvr>
     <a:masterClrMapping/>
   </p:clrMapOvr>
-  <mc:AlternateContent xmlns:mc="http://schemas.openxmlformats.org/markup-compatibility/2006">
-    <mc:Choice xmlns:p159="http://schemas.microsoft.com/office/powerpoint/2015/09/main" Requires="p159">
+  <mc:AlternateContent xmlns:mc="http://schemas.openxmlformats.org/markup-compatibility/2006" xmlns:p159="http://schemas.microsoft.com/office/powerpoint/2015/09/main">
+    <mc:Choice Requires="p159">
       <p:transition xmlns:p14="http://schemas.microsoft.com/office/powerpoint/2010/main" spd="slow" p14:dur="2000">
         <p159:morph option="byObject"/>
       </p:transition>
     </mc:Choice>
-    <mc:Fallback>
+    <mc:Fallback xmlns="">
       <p:transition spd="slow">
         <p:fade/>
       </p:transition>
@@ -4179,42 +4184,42 @@
                 <a:latin typeface="Aharoni" panose="02010803020104030203" pitchFamily="2" charset="-79"/>
                 <a:cs typeface="Aharoni" panose="02010803020104030203" pitchFamily="2" charset="-79"/>
               </a:rPr>
-              <a:t> (</a:t>
+              <a:t> (RB </a:t>
             </a:r>
             <a:r>
               <a:rPr lang="de-DE" sz="2400" dirty="0" err="1">
                 <a:latin typeface="Aharoni" panose="02010803020104030203" pitchFamily="2" charset="-79"/>
                 <a:cs typeface="Aharoni" panose="02010803020104030203" pitchFamily="2" charset="-79"/>
               </a:rPr>
-              <a:t>collision</a:t>
+              <a:t>impulse</a:t>
             </a:r>
             <a:r>
               <a:rPr lang="de-DE" sz="2400" dirty="0">
                 <a:latin typeface="Aharoni" panose="02010803020104030203" pitchFamily="2" charset="-79"/>
                 <a:cs typeface="Aharoni" panose="02010803020104030203" pitchFamily="2" charset="-79"/>
               </a:rPr>
-              <a:t> </a:t>
+              <a:t> + </a:t>
             </a:r>
             <a:r>
               <a:rPr lang="de-DE" sz="2400" dirty="0" err="1">
                 <a:latin typeface="Aharoni" panose="02010803020104030203" pitchFamily="2" charset="-79"/>
                 <a:cs typeface="Aharoni" panose="02010803020104030203" pitchFamily="2" charset="-79"/>
               </a:rPr>
-              <a:t>detection</a:t>
+              <a:t>collision</a:t>
             </a:r>
             <a:r>
               <a:rPr lang="de-DE" sz="2400" dirty="0">
                 <a:latin typeface="Aharoni" panose="02010803020104030203" pitchFamily="2" charset="-79"/>
                 <a:cs typeface="Aharoni" panose="02010803020104030203" pitchFamily="2" charset="-79"/>
               </a:rPr>
-              <a:t> + RB </a:t>
+              <a:t> </a:t>
             </a:r>
             <a:r>
               <a:rPr lang="de-DE" sz="2400" dirty="0" err="1">
                 <a:latin typeface="Aharoni" panose="02010803020104030203" pitchFamily="2" charset="-79"/>
                 <a:cs typeface="Aharoni" panose="02010803020104030203" pitchFamily="2" charset="-79"/>
               </a:rPr>
-              <a:t>impulse</a:t>
+              <a:t>detection</a:t>
             </a:r>
             <a:r>
               <a:rPr lang="de-DE" sz="2400" dirty="0">
@@ -4428,13 +4433,13 @@
   <p:clrMapOvr>
     <a:masterClrMapping/>
   </p:clrMapOvr>
-  <mc:AlternateContent xmlns:mc="http://schemas.openxmlformats.org/markup-compatibility/2006">
-    <mc:Choice xmlns:p159="http://schemas.microsoft.com/office/powerpoint/2015/09/main" Requires="p159">
+  <mc:AlternateContent xmlns:mc="http://schemas.openxmlformats.org/markup-compatibility/2006" xmlns:p159="http://schemas.microsoft.com/office/powerpoint/2015/09/main">
+    <mc:Choice Requires="p159">
       <p:transition xmlns:p14="http://schemas.microsoft.com/office/powerpoint/2010/main" spd="slow" p14:dur="2000">
         <p159:morph option="byObject"/>
       </p:transition>
     </mc:Choice>
-    <mc:Fallback>
+    <mc:Fallback xmlns="">
       <p:transition spd="slow">
         <p:fade/>
       </p:transition>
@@ -5160,13 +5165,13 @@
   <p:clrMapOvr>
     <a:masterClrMapping/>
   </p:clrMapOvr>
-  <mc:AlternateContent xmlns:mc="http://schemas.openxmlformats.org/markup-compatibility/2006">
-    <mc:Choice xmlns:p14="http://schemas.microsoft.com/office/powerpoint/2010/main" Requires="p14">
+  <mc:AlternateContent xmlns:mc="http://schemas.openxmlformats.org/markup-compatibility/2006" xmlns:p14="http://schemas.microsoft.com/office/powerpoint/2010/main">
+    <mc:Choice Requires="p14">
       <p:transition spd="med" p14:dur="700">
         <p:fade/>
       </p:transition>
     </mc:Choice>
-    <mc:Fallback>
+    <mc:Fallback xmlns="">
       <p:transition spd="med">
         <p:fade/>
       </p:transition>
@@ -5480,13 +5485,13 @@
   <p:clrMapOvr>
     <a:masterClrMapping/>
   </p:clrMapOvr>
-  <mc:AlternateContent xmlns:mc="http://schemas.openxmlformats.org/markup-compatibility/2006">
-    <mc:Choice xmlns:p159="http://schemas.microsoft.com/office/powerpoint/2015/09/main" Requires="p159">
+  <mc:AlternateContent xmlns:mc="http://schemas.openxmlformats.org/markup-compatibility/2006" xmlns:p159="http://schemas.microsoft.com/office/powerpoint/2015/09/main">
+    <mc:Choice Requires="p159">
       <p:transition xmlns:p14="http://schemas.microsoft.com/office/powerpoint/2010/main" spd="slow" p14:dur="2000">
         <p159:morph option="byObject"/>
       </p:transition>
     </mc:Choice>
-    <mc:Fallback>
+    <mc:Fallback xmlns="">
       <p:transition spd="slow">
         <p:fade/>
       </p:transition>
